--- a/An analysis of M2M platforms- challenges and opportunities for the Internet of Things.pptx
+++ b/An analysis of M2M platforms- challenges and opportunities for the Internet of Things.pptx
@@ -4073,9 +4073,10 @@
           <a:p>
             <a:pPr algn="ctr"/>
             <a:r>
-              <a:rPr lang="ja-JP" altLang="en-US" sz="1463" dirty="0"/>
-              <a:t>日付</a:t>
-            </a:r>
+              <a:rPr lang="en-US" altLang="ja-JP" sz="1463" dirty="0"/>
+              <a:t>2019/03/29</a:t>
+            </a:r>
+            <a:endParaRPr lang="ja-JP" altLang="en-US" sz="1463" dirty="0"/>
           </a:p>
         </p:txBody>
       </p:sp>
